--- a/documentation/powerpoint/driessen-sprint-c-slides.pptx
+++ b/documentation/powerpoint/driessen-sprint-c-slides.pptx
@@ -5,18 +5,16 @@
     <p:sldMasterId id="2147483734" r:id="rId4"/>
   </p:sldMasterIdLst>
   <p:notesMasterIdLst>
-    <p:notesMasterId r:id="rId11"/>
+    <p:notesMasterId r:id="rId9"/>
   </p:notesMasterIdLst>
   <p:handoutMasterIdLst>
-    <p:handoutMasterId r:id="rId12"/>
+    <p:handoutMasterId r:id="rId10"/>
   </p:handoutMasterIdLst>
   <p:sldIdLst>
     <p:sldId id="315" r:id="rId5"/>
-    <p:sldId id="266" r:id="rId6"/>
-    <p:sldId id="305" r:id="rId7"/>
-    <p:sldId id="256" r:id="rId8"/>
-    <p:sldId id="313" r:id="rId9"/>
-    <p:sldId id="295" r:id="rId10"/>
+    <p:sldId id="256" r:id="rId6"/>
+    <p:sldId id="313" r:id="rId7"/>
+    <p:sldId id="295" r:id="rId8"/>
   </p:sldIdLst>
   <p:sldSz cx="12192000" cy="6858000"/>
   <p:notesSz cx="6858000" cy="9144000"/>
@@ -227,7 +225,7 @@
           <a:p>
             <a:fld id="{367A1AC4-3AE8-4F87-AAED-904EC6054702}" type="datetimeFigureOut">
               <a:rPr lang="en-US" smtClean="0"/>
-              <a:t>11/24/2024</a:t>
+              <a:t>12/16/2024</a:t>
             </a:fld>
             <a:endParaRPr lang="en-US" dirty="0"/>
           </a:p>
@@ -404,7 +402,7 @@
           <a:p>
             <a:fld id="{C5556653-6123-4FE4-861F-5F9583BF59B0}" type="datetimeFigureOut">
               <a:rPr lang="en-US" smtClean="0"/>
-              <a:t>11/24/2024</a:t>
+              <a:t>12/16/2024</a:t>
             </a:fld>
             <a:endParaRPr lang="en-US" dirty="0"/>
           </a:p>
@@ -799,23 +797,6 @@
           <a:bodyPr/>
           <a:lstStyle/>
           <a:p>
-            <a:pPr marL="0" marR="0" lvl="0" indent="0" algn="l" defTabSz="914400" rtl="0" eaLnBrk="1" fontAlgn="auto" latinLnBrk="0" hangingPunct="1">
-              <a:lnSpc>
-                <a:spcPct val="100000"/>
-              </a:lnSpc>
-              <a:spcBef>
-                <a:spcPts val="0"/>
-              </a:spcBef>
-              <a:spcAft>
-                <a:spcPts val="0"/>
-              </a:spcAft>
-              <a:buClrTx/>
-              <a:buSzTx/>
-              <a:buFontTx/>
-              <a:buNone/>
-              <a:tabLst/>
-              <a:defRPr/>
-            </a:pPr>
             <a:endParaRPr lang="en-US" dirty="0"/>
           </a:p>
         </p:txBody>
@@ -835,7 +816,7 @@
           <a:bodyPr/>
           <a:lstStyle/>
           <a:p>
-            <a:fld id="{F07F282E-55F5-4803-B60F-09BA4600E538}" type="slidenum">
+            <a:fld id="{54EEB602-95FC-483A-B12D-216A7AD7EA24}" type="slidenum">
               <a:rPr lang="en-US" smtClean="0"/>
               <a:t>2</a:t>
             </a:fld>
@@ -846,7 +827,7 @@
     </p:spTree>
     <p:extLst>
       <p:ext uri="{BB962C8B-B14F-4D97-AF65-F5344CB8AC3E}">
-        <p14:creationId xmlns:p14="http://schemas.microsoft.com/office/powerpoint/2010/main" val="1727451014"/>
+        <p14:creationId xmlns:p14="http://schemas.microsoft.com/office/powerpoint/2010/main" val="303174507"/>
       </p:ext>
     </p:extLst>
   </p:cSld>
@@ -930,7 +911,7 @@
     </p:spTree>
     <p:extLst>
       <p:ext uri="{BB962C8B-B14F-4D97-AF65-F5344CB8AC3E}">
-        <p14:creationId xmlns:p14="http://schemas.microsoft.com/office/powerpoint/2010/main" val="2714327902"/>
+        <p14:creationId xmlns:p14="http://schemas.microsoft.com/office/powerpoint/2010/main" val="3986912794"/>
       </p:ext>
     </p:extLst>
   </p:cSld>
@@ -984,174 +965,6 @@
           <a:bodyPr/>
           <a:lstStyle/>
           <a:p>
-            <a:endParaRPr lang="en-US" dirty="0"/>
-          </a:p>
-        </p:txBody>
-      </p:sp>
-      <p:sp>
-        <p:nvSpPr>
-          <p:cNvPr id="4" name="Slide Number Placeholder 3"/>
-          <p:cNvSpPr>
-            <a:spLocks noGrp="1"/>
-          </p:cNvSpPr>
-          <p:nvPr>
-            <p:ph type="sldNum" sz="quarter" idx="5"/>
-          </p:nvPr>
-        </p:nvSpPr>
-        <p:spPr/>
-        <p:txBody>
-          <a:bodyPr/>
-          <a:lstStyle/>
-          <a:p>
-            <a:fld id="{54EEB602-95FC-483A-B12D-216A7AD7EA24}" type="slidenum">
-              <a:rPr lang="en-US" smtClean="0"/>
-              <a:t>4</a:t>
-            </a:fld>
-            <a:endParaRPr lang="en-US" dirty="0"/>
-          </a:p>
-        </p:txBody>
-      </p:sp>
-    </p:spTree>
-    <p:extLst>
-      <p:ext uri="{BB962C8B-B14F-4D97-AF65-F5344CB8AC3E}">
-        <p14:creationId xmlns:p14="http://schemas.microsoft.com/office/powerpoint/2010/main" val="303174507"/>
-      </p:ext>
-    </p:extLst>
-  </p:cSld>
-  <p:clrMapOvr>
-    <a:masterClrMapping/>
-  </p:clrMapOvr>
-</p:notes>
-</file>
-
-<file path=ppt/notesSlides/notesSlide5.xml><?xml version="1.0" encoding="utf-8"?>
-<p:notes xmlns:a="http://schemas.openxmlformats.org/drawingml/2006/main" xmlns:r="http://schemas.openxmlformats.org/officeDocument/2006/relationships" xmlns:p="http://schemas.openxmlformats.org/presentationml/2006/main">
-  <p:cSld>
-    <p:spTree>
-      <p:nvGrpSpPr>
-        <p:cNvPr id="1" name=""/>
-        <p:cNvGrpSpPr/>
-        <p:nvPr/>
-      </p:nvGrpSpPr>
-      <p:grpSpPr>
-        <a:xfrm>
-          <a:off x="0" y="0"/>
-          <a:ext cx="0" cy="0"/>
-          <a:chOff x="0" y="0"/>
-          <a:chExt cx="0" cy="0"/>
-        </a:xfrm>
-      </p:grpSpPr>
-      <p:sp>
-        <p:nvSpPr>
-          <p:cNvPr id="2" name="Slide Image Placeholder 1"/>
-          <p:cNvSpPr>
-            <a:spLocks noGrp="1" noRot="1" noChangeAspect="1"/>
-          </p:cNvSpPr>
-          <p:nvPr>
-            <p:ph type="sldImg"/>
-          </p:nvPr>
-        </p:nvSpPr>
-        <p:spPr/>
-      </p:sp>
-      <p:sp>
-        <p:nvSpPr>
-          <p:cNvPr id="3" name="Notes Placeholder 2"/>
-          <p:cNvSpPr>
-            <a:spLocks noGrp="1"/>
-          </p:cNvSpPr>
-          <p:nvPr>
-            <p:ph type="body" idx="1"/>
-          </p:nvPr>
-        </p:nvSpPr>
-        <p:spPr/>
-        <p:txBody>
-          <a:bodyPr/>
-          <a:lstStyle/>
-          <a:p>
-            <a:endParaRPr lang="en-US" dirty="0"/>
-          </a:p>
-        </p:txBody>
-      </p:sp>
-      <p:sp>
-        <p:nvSpPr>
-          <p:cNvPr id="4" name="Slide Number Placeholder 3"/>
-          <p:cNvSpPr>
-            <a:spLocks noGrp="1"/>
-          </p:cNvSpPr>
-          <p:nvPr>
-            <p:ph type="sldNum" sz="quarter" idx="5"/>
-          </p:nvPr>
-        </p:nvSpPr>
-        <p:spPr/>
-        <p:txBody>
-          <a:bodyPr/>
-          <a:lstStyle/>
-          <a:p>
-            <a:fld id="{54EEB602-95FC-483A-B12D-216A7AD7EA24}" type="slidenum">
-              <a:rPr lang="en-US" smtClean="0"/>
-              <a:t>5</a:t>
-            </a:fld>
-            <a:endParaRPr lang="en-US" dirty="0"/>
-          </a:p>
-        </p:txBody>
-      </p:sp>
-    </p:spTree>
-    <p:extLst>
-      <p:ext uri="{BB962C8B-B14F-4D97-AF65-F5344CB8AC3E}">
-        <p14:creationId xmlns:p14="http://schemas.microsoft.com/office/powerpoint/2010/main" val="3986912794"/>
-      </p:ext>
-    </p:extLst>
-  </p:cSld>
-  <p:clrMapOvr>
-    <a:masterClrMapping/>
-  </p:clrMapOvr>
-</p:notes>
-</file>
-
-<file path=ppt/notesSlides/notesSlide6.xml><?xml version="1.0" encoding="utf-8"?>
-<p:notes xmlns:a="http://schemas.openxmlformats.org/drawingml/2006/main" xmlns:r="http://schemas.openxmlformats.org/officeDocument/2006/relationships" xmlns:p="http://schemas.openxmlformats.org/presentationml/2006/main">
-  <p:cSld>
-    <p:spTree>
-      <p:nvGrpSpPr>
-        <p:cNvPr id="1" name=""/>
-        <p:cNvGrpSpPr/>
-        <p:nvPr/>
-      </p:nvGrpSpPr>
-      <p:grpSpPr>
-        <a:xfrm>
-          <a:off x="0" y="0"/>
-          <a:ext cx="0" cy="0"/>
-          <a:chOff x="0" y="0"/>
-          <a:chExt cx="0" cy="0"/>
-        </a:xfrm>
-      </p:grpSpPr>
-      <p:sp>
-        <p:nvSpPr>
-          <p:cNvPr id="2" name="Slide Image Placeholder 1"/>
-          <p:cNvSpPr>
-            <a:spLocks noGrp="1" noRot="1" noChangeAspect="1"/>
-          </p:cNvSpPr>
-          <p:nvPr>
-            <p:ph type="sldImg"/>
-          </p:nvPr>
-        </p:nvSpPr>
-        <p:spPr/>
-      </p:sp>
-      <p:sp>
-        <p:nvSpPr>
-          <p:cNvPr id="3" name="Notes Placeholder 2"/>
-          <p:cNvSpPr>
-            <a:spLocks noGrp="1"/>
-          </p:cNvSpPr>
-          <p:nvPr>
-            <p:ph type="body" idx="1"/>
-          </p:nvPr>
-        </p:nvSpPr>
-        <p:spPr/>
-        <p:txBody>
-          <a:bodyPr/>
-          <a:lstStyle/>
-          <a:p>
             <a:pPr marL="0" marR="0" lvl="0" indent="0" algn="l" defTabSz="914400" rtl="0" eaLnBrk="1" fontAlgn="auto" latinLnBrk="0" hangingPunct="1">
               <a:lnSpc>
                 <a:spcPct val="100000"/>
@@ -1190,7 +1003,7 @@
           <a:p>
             <a:fld id="{F07F282E-55F5-4803-B60F-09BA4600E538}" type="slidenum">
               <a:rPr lang="en-US" smtClean="0"/>
-              <a:t>6</a:t>
+              <a:t>4</a:t>
             </a:fld>
             <a:endParaRPr lang="en-US" dirty="0"/>
           </a:p>
@@ -2418,1482 +2231,6 @@
 </file>
 
 <file path=ppt/slideLayouts/slideLayout13.xml><?xml version="1.0" encoding="utf-8"?>
-<p:sldLayout xmlns:a="http://schemas.openxmlformats.org/drawingml/2006/main" xmlns:r="http://schemas.openxmlformats.org/officeDocument/2006/relationships" xmlns:p="http://schemas.openxmlformats.org/presentationml/2006/main" userDrawn="1">
-  <p:cSld name="Content 3">
-    <p:spTree>
-      <p:nvGrpSpPr>
-        <p:cNvPr id="1" name=""/>
-        <p:cNvGrpSpPr/>
-        <p:nvPr/>
-      </p:nvGrpSpPr>
-      <p:grpSpPr>
-        <a:xfrm>
-          <a:off x="0" y="0"/>
-          <a:ext cx="0" cy="0"/>
-          <a:chOff x="0" y="0"/>
-          <a:chExt cx="0" cy="0"/>
-        </a:xfrm>
-      </p:grpSpPr>
-      <p:sp useBgFill="1">
-        <p:nvSpPr>
-          <p:cNvPr id="7" name="Rectangle 6">
-            <a:extLst>
-              <a:ext uri="{FF2B5EF4-FFF2-40B4-BE49-F238E27FC236}">
-                <a16:creationId xmlns:a16="http://schemas.microsoft.com/office/drawing/2014/main" id="{BF5F5DFA-1BC3-4062-9356-6145C9F7CD56}"/>
-              </a:ext>
-              <a:ext uri="{C183D7F6-B498-43B3-948B-1728B52AA6E4}">
-                <adec:decorative xmlns:adec="http://schemas.microsoft.com/office/drawing/2017/decorative" val="1"/>
-              </a:ext>
-            </a:extLst>
-          </p:cNvPr>
-          <p:cNvSpPr/>
-          <p:nvPr userDrawn="1"/>
-        </p:nvSpPr>
-        <p:spPr>
-          <a:xfrm>
-            <a:off x="0" y="0"/>
-            <a:ext cx="12192001" cy="6858000"/>
-          </a:xfrm>
-          <a:prstGeom prst="rect">
-            <a:avLst/>
-          </a:prstGeom>
-          <a:ln>
-            <a:noFill/>
-          </a:ln>
-        </p:spPr>
-        <p:style>
-          <a:lnRef idx="2">
-            <a:schemeClr val="accent1">
-              <a:shade val="50000"/>
-            </a:schemeClr>
-          </a:lnRef>
-          <a:fillRef idx="1">
-            <a:schemeClr val="accent1"/>
-          </a:fillRef>
-          <a:effectRef idx="0">
-            <a:schemeClr val="accent1"/>
-          </a:effectRef>
-          <a:fontRef idx="minor">
-            <a:schemeClr val="lt1"/>
-          </a:fontRef>
-        </p:style>
-        <p:txBody>
-          <a:bodyPr rtlCol="0" anchor="ctr"/>
-          <a:lstStyle/>
-          <a:p>
-            <a:pPr algn="ctr"/>
-            <a:endParaRPr lang="en-US" dirty="0"/>
-          </a:p>
-        </p:txBody>
-      </p:sp>
-      <p:sp>
-        <p:nvSpPr>
-          <p:cNvPr id="8" name="Rectangle 7">
-            <a:extLst>
-              <a:ext uri="{FF2B5EF4-FFF2-40B4-BE49-F238E27FC236}">
-                <a16:creationId xmlns:a16="http://schemas.microsoft.com/office/drawing/2014/main" id="{E6B5D461-AEC0-477F-A77A-6227F95A8374}"/>
-              </a:ext>
-              <a:ext uri="{C183D7F6-B498-43B3-948B-1728B52AA6E4}">
-                <adec:decorative xmlns:adec="http://schemas.microsoft.com/office/drawing/2017/decorative" val="1"/>
-              </a:ext>
-            </a:extLst>
-          </p:cNvPr>
-          <p:cNvSpPr/>
-          <p:nvPr userDrawn="1"/>
-        </p:nvSpPr>
-        <p:spPr>
-          <a:xfrm>
-            <a:off x="8175813" y="0"/>
-            <a:ext cx="4016188" cy="1056542"/>
-          </a:xfrm>
-          <a:prstGeom prst="rect">
-            <a:avLst/>
-          </a:prstGeom>
-          <a:solidFill>
-            <a:schemeClr val="tx2"/>
-          </a:solidFill>
-          <a:ln>
-            <a:noFill/>
-          </a:ln>
-        </p:spPr>
-        <p:style>
-          <a:lnRef idx="2">
-            <a:schemeClr val="accent1">
-              <a:shade val="50000"/>
-            </a:schemeClr>
-          </a:lnRef>
-          <a:fillRef idx="1">
-            <a:schemeClr val="accent1"/>
-          </a:fillRef>
-          <a:effectRef idx="0">
-            <a:schemeClr val="accent1"/>
-          </a:effectRef>
-          <a:fontRef idx="minor">
-            <a:schemeClr val="lt1"/>
-          </a:fontRef>
-        </p:style>
-        <p:txBody>
-          <a:bodyPr rtlCol="0" anchor="ctr"/>
-          <a:lstStyle/>
-          <a:p>
-            <a:pPr algn="ctr"/>
-            <a:endParaRPr lang="en-US" dirty="0"/>
-          </a:p>
-        </p:txBody>
-      </p:sp>
-      <p:sp>
-        <p:nvSpPr>
-          <p:cNvPr id="10" name="Rectangle 9">
-            <a:extLst>
-              <a:ext uri="{FF2B5EF4-FFF2-40B4-BE49-F238E27FC236}">
-                <a16:creationId xmlns:a16="http://schemas.microsoft.com/office/drawing/2014/main" id="{DE1A041D-DE47-45FA-AC78-CC7FD02571F2}"/>
-              </a:ext>
-              <a:ext uri="{C183D7F6-B498-43B3-948B-1728B52AA6E4}">
-                <adec:decorative xmlns:adec="http://schemas.microsoft.com/office/drawing/2017/decorative" val="1"/>
-              </a:ext>
-            </a:extLst>
-          </p:cNvPr>
-          <p:cNvSpPr/>
-          <p:nvPr userDrawn="1"/>
-        </p:nvSpPr>
-        <p:spPr>
-          <a:xfrm>
-            <a:off x="1525" y="1031500"/>
-            <a:ext cx="12188951" cy="64008"/>
-          </a:xfrm>
-          <a:prstGeom prst="rect">
-            <a:avLst/>
-          </a:prstGeom>
-          <a:solidFill>
-            <a:schemeClr val="tx2"/>
-          </a:solidFill>
-          <a:ln>
-            <a:noFill/>
-          </a:ln>
-        </p:spPr>
-        <p:style>
-          <a:lnRef idx="2">
-            <a:schemeClr val="accent1">
-              <a:shade val="50000"/>
-            </a:schemeClr>
-          </a:lnRef>
-          <a:fillRef idx="1">
-            <a:schemeClr val="accent1"/>
-          </a:fillRef>
-          <a:effectRef idx="0">
-            <a:schemeClr val="accent1"/>
-          </a:effectRef>
-          <a:fontRef idx="minor">
-            <a:schemeClr val="lt1"/>
-          </a:fontRef>
-        </p:style>
-        <p:txBody>
-          <a:bodyPr rtlCol="0" anchor="ctr"/>
-          <a:lstStyle/>
-          <a:p>
-            <a:pPr algn="ctr"/>
-            <a:endParaRPr lang="en-US" dirty="0"/>
-          </a:p>
-        </p:txBody>
-      </p:sp>
-      <p:sp>
-        <p:nvSpPr>
-          <p:cNvPr id="11" name="Rectangle 10">
-            <a:extLst>
-              <a:ext uri="{FF2B5EF4-FFF2-40B4-BE49-F238E27FC236}">
-                <a16:creationId xmlns:a16="http://schemas.microsoft.com/office/drawing/2014/main" id="{11614254-52EF-4F58-99B1-CDA7C39223C1}"/>
-              </a:ext>
-              <a:ext uri="{C183D7F6-B498-43B3-948B-1728B52AA6E4}">
-                <adec:decorative xmlns:adec="http://schemas.microsoft.com/office/drawing/2017/decorative" val="1"/>
-              </a:ext>
-            </a:extLst>
-          </p:cNvPr>
-          <p:cNvSpPr/>
-          <p:nvPr userDrawn="1"/>
-        </p:nvSpPr>
-        <p:spPr>
-          <a:xfrm>
-            <a:off x="-9134" y="1095508"/>
-            <a:ext cx="8203482" cy="5016893"/>
-          </a:xfrm>
-          <a:prstGeom prst="rect">
-            <a:avLst/>
-          </a:prstGeom>
-          <a:solidFill>
-            <a:schemeClr val="bg1">
-              <a:alpha val="75000"/>
-            </a:schemeClr>
-          </a:solidFill>
-          <a:ln>
-            <a:noFill/>
-          </a:ln>
-        </p:spPr>
-        <p:style>
-          <a:lnRef idx="2">
-            <a:schemeClr val="accent1">
-              <a:shade val="50000"/>
-            </a:schemeClr>
-          </a:lnRef>
-          <a:fillRef idx="1">
-            <a:schemeClr val="accent1"/>
-          </a:fillRef>
-          <a:effectRef idx="0">
-            <a:schemeClr val="accent1"/>
-          </a:effectRef>
-          <a:fontRef idx="minor">
-            <a:schemeClr val="lt1"/>
-          </a:fontRef>
-        </p:style>
-        <p:txBody>
-          <a:bodyPr rtlCol="0" anchor="ctr"/>
-          <a:lstStyle/>
-          <a:p>
-            <a:pPr algn="ctr"/>
-            <a:endParaRPr lang="en-US" dirty="0"/>
-          </a:p>
-        </p:txBody>
-      </p:sp>
-      <p:sp>
-        <p:nvSpPr>
-          <p:cNvPr id="12" name="Title 1">
-            <a:extLst>
-              <a:ext uri="{FF2B5EF4-FFF2-40B4-BE49-F238E27FC236}">
-                <a16:creationId xmlns:a16="http://schemas.microsoft.com/office/drawing/2014/main" id="{BD3B3ABA-0408-41EA-935D-D4F4586AA840}"/>
-              </a:ext>
-            </a:extLst>
-          </p:cNvPr>
-          <p:cNvSpPr>
-            <a:spLocks noGrp="1"/>
-          </p:cNvSpPr>
-          <p:nvPr>
-            <p:ph type="title" hasCustomPrompt="1"/>
-          </p:nvPr>
-        </p:nvSpPr>
-        <p:spPr>
-          <a:xfrm>
-            <a:off x="787178" y="1361923"/>
-            <a:ext cx="6623040" cy="1421898"/>
-          </a:xfrm>
-        </p:spPr>
-        <p:txBody>
-          <a:bodyPr anchor="b" anchorCtr="0">
-            <a:noAutofit/>
-          </a:bodyPr>
-          <a:lstStyle>
-            <a:lvl1pPr>
-              <a:lnSpc>
-                <a:spcPct val="100000"/>
-              </a:lnSpc>
-              <a:defRPr sz="3200"/>
-            </a:lvl1pPr>
-          </a:lstStyle>
-          <a:p>
-            <a:r>
-              <a:rPr lang="en-US" dirty="0"/>
-              <a:t>Click to add title</a:t>
-            </a:r>
-          </a:p>
-        </p:txBody>
-      </p:sp>
-      <p:sp>
-        <p:nvSpPr>
-          <p:cNvPr id="3" name="Content Placeholder 2">
-            <a:extLst>
-              <a:ext uri="{FF2B5EF4-FFF2-40B4-BE49-F238E27FC236}">
-                <a16:creationId xmlns:a16="http://schemas.microsoft.com/office/drawing/2014/main" id="{C40EA5BF-04A6-2B17-0703-8419C4DB97FF}"/>
-              </a:ext>
-            </a:extLst>
-          </p:cNvPr>
-          <p:cNvSpPr>
-            <a:spLocks noGrp="1"/>
-          </p:cNvSpPr>
-          <p:nvPr>
-            <p:ph sz="quarter" idx="14" hasCustomPrompt="1"/>
-          </p:nvPr>
-        </p:nvSpPr>
-        <p:spPr>
-          <a:xfrm>
-            <a:off x="787399" y="2916772"/>
-            <a:ext cx="6622819" cy="2852639"/>
-          </a:xfrm>
-        </p:spPr>
-        <p:txBody>
-          <a:bodyPr anchor="t"/>
-          <a:lstStyle>
-            <a:lvl1pPr marL="0" indent="0">
-              <a:lnSpc>
-                <a:spcPct val="125000"/>
-              </a:lnSpc>
-              <a:spcAft>
-                <a:spcPts val="600"/>
-              </a:spcAft>
-              <a:buNone/>
-              <a:defRPr sz="2000" b="0"/>
-            </a:lvl1pPr>
-            <a:lvl2pPr>
-              <a:lnSpc>
-                <a:spcPct val="125000"/>
-              </a:lnSpc>
-              <a:spcAft>
-                <a:spcPts val="600"/>
-              </a:spcAft>
-              <a:defRPr/>
-            </a:lvl2pPr>
-            <a:lvl3pPr>
-              <a:lnSpc>
-                <a:spcPct val="125000"/>
-              </a:lnSpc>
-              <a:spcAft>
-                <a:spcPts val="600"/>
-              </a:spcAft>
-              <a:defRPr/>
-            </a:lvl3pPr>
-            <a:lvl4pPr>
-              <a:lnSpc>
-                <a:spcPct val="125000"/>
-              </a:lnSpc>
-              <a:spcAft>
-                <a:spcPts val="600"/>
-              </a:spcAft>
-              <a:defRPr/>
-            </a:lvl4pPr>
-            <a:lvl5pPr>
-              <a:lnSpc>
-                <a:spcPct val="125000"/>
-              </a:lnSpc>
-              <a:spcAft>
-                <a:spcPts val="600"/>
-              </a:spcAft>
-              <a:defRPr/>
-            </a:lvl5pPr>
-          </a:lstStyle>
-          <a:p>
-            <a:pPr lvl="0"/>
-            <a:r>
-              <a:rPr lang="en-US" dirty="0"/>
-              <a:t>Click to add text</a:t>
-            </a:r>
-          </a:p>
-          <a:p>
-            <a:pPr lvl="1"/>
-            <a:r>
-              <a:rPr lang="en-US" dirty="0"/>
-              <a:t>Second level</a:t>
-            </a:r>
-          </a:p>
-          <a:p>
-            <a:pPr lvl="2"/>
-            <a:r>
-              <a:rPr lang="en-US" dirty="0"/>
-              <a:t>Third level</a:t>
-            </a:r>
-          </a:p>
-          <a:p>
-            <a:pPr lvl="3"/>
-            <a:r>
-              <a:rPr lang="en-US" dirty="0"/>
-              <a:t>Fourth level</a:t>
-            </a:r>
-          </a:p>
-          <a:p>
-            <a:pPr lvl="4"/>
-            <a:r>
-              <a:rPr lang="en-US" dirty="0"/>
-              <a:t>Fifth level</a:t>
-            </a:r>
-          </a:p>
-        </p:txBody>
-      </p:sp>
-      <p:sp>
-        <p:nvSpPr>
-          <p:cNvPr id="14" name="Rectangle 13">
-            <a:extLst>
-              <a:ext uri="{FF2B5EF4-FFF2-40B4-BE49-F238E27FC236}">
-                <a16:creationId xmlns:a16="http://schemas.microsoft.com/office/drawing/2014/main" id="{1837301C-2B9B-4119-9002-BD6DB2AB87FB}"/>
-              </a:ext>
-              <a:ext uri="{C183D7F6-B498-43B3-948B-1728B52AA6E4}">
-                <adec:decorative xmlns:adec="http://schemas.microsoft.com/office/drawing/2017/decorative" val="1"/>
-              </a:ext>
-            </a:extLst>
-          </p:cNvPr>
-          <p:cNvSpPr/>
-          <p:nvPr userDrawn="1"/>
-        </p:nvSpPr>
-        <p:spPr>
-          <a:xfrm>
-            <a:off x="-1" y="6144405"/>
-            <a:ext cx="8150087" cy="713595"/>
-          </a:xfrm>
-          <a:prstGeom prst="rect">
-            <a:avLst/>
-          </a:prstGeom>
-          <a:solidFill>
-            <a:schemeClr val="tx2"/>
-          </a:solidFill>
-          <a:ln>
-            <a:noFill/>
-          </a:ln>
-        </p:spPr>
-        <p:style>
-          <a:lnRef idx="2">
-            <a:schemeClr val="accent1">
-              <a:shade val="50000"/>
-            </a:schemeClr>
-          </a:lnRef>
-          <a:fillRef idx="1">
-            <a:schemeClr val="accent1"/>
-          </a:fillRef>
-          <a:effectRef idx="0">
-            <a:schemeClr val="accent1"/>
-          </a:effectRef>
-          <a:fontRef idx="minor">
-            <a:schemeClr val="lt1"/>
-          </a:fontRef>
-        </p:style>
-        <p:txBody>
-          <a:bodyPr rtlCol="0" anchor="ctr"/>
-          <a:lstStyle/>
-          <a:p>
-            <a:pPr algn="ctr"/>
-            <a:endParaRPr lang="en-US" dirty="0"/>
-          </a:p>
-        </p:txBody>
-      </p:sp>
-      <p:sp>
-        <p:nvSpPr>
-          <p:cNvPr id="15" name="Rectangle 14">
-            <a:extLst>
-              <a:ext uri="{FF2B5EF4-FFF2-40B4-BE49-F238E27FC236}">
-                <a16:creationId xmlns:a16="http://schemas.microsoft.com/office/drawing/2014/main" id="{BD12738D-D0ED-4899-A01C-42439B5B3E64}"/>
-              </a:ext>
-              <a:ext uri="{C183D7F6-B498-43B3-948B-1728B52AA6E4}">
-                <adec:decorative xmlns:adec="http://schemas.microsoft.com/office/drawing/2017/decorative" val="1"/>
-              </a:ext>
-            </a:extLst>
-          </p:cNvPr>
-          <p:cNvSpPr/>
-          <p:nvPr userDrawn="1"/>
-        </p:nvSpPr>
-        <p:spPr>
-          <a:xfrm>
-            <a:off x="8206532" y="6167615"/>
-            <a:ext cx="3982418" cy="690385"/>
-          </a:xfrm>
-          <a:prstGeom prst="rect">
-            <a:avLst/>
-          </a:prstGeom>
-          <a:solidFill>
-            <a:schemeClr val="bg1">
-              <a:alpha val="75000"/>
-            </a:schemeClr>
-          </a:solidFill>
-          <a:ln>
-            <a:noFill/>
-          </a:ln>
-        </p:spPr>
-        <p:style>
-          <a:lnRef idx="2">
-            <a:schemeClr val="accent1">
-              <a:shade val="50000"/>
-            </a:schemeClr>
-          </a:lnRef>
-          <a:fillRef idx="1">
-            <a:schemeClr val="accent1"/>
-          </a:fillRef>
-          <a:effectRef idx="0">
-            <a:schemeClr val="accent1"/>
-          </a:effectRef>
-          <a:fontRef idx="minor">
-            <a:schemeClr val="lt1"/>
-          </a:fontRef>
-        </p:style>
-        <p:txBody>
-          <a:bodyPr rtlCol="0" anchor="ctr"/>
-          <a:lstStyle/>
-          <a:p>
-            <a:pPr algn="ctr"/>
-            <a:endParaRPr lang="en-US" dirty="0"/>
-          </a:p>
-        </p:txBody>
-      </p:sp>
-      <p:sp>
-        <p:nvSpPr>
-          <p:cNvPr id="16" name="Rectangle 15">
-            <a:extLst>
-              <a:ext uri="{FF2B5EF4-FFF2-40B4-BE49-F238E27FC236}">
-                <a16:creationId xmlns:a16="http://schemas.microsoft.com/office/drawing/2014/main" id="{5EED261D-45B9-40C1-8341-8B8B796E8AE2}"/>
-              </a:ext>
-              <a:ext uri="{C183D7F6-B498-43B3-948B-1728B52AA6E4}">
-                <adec:decorative xmlns:adec="http://schemas.microsoft.com/office/drawing/2017/decorative" val="1"/>
-              </a:ext>
-            </a:extLst>
-          </p:cNvPr>
-          <p:cNvSpPr/>
-          <p:nvPr userDrawn="1"/>
-        </p:nvSpPr>
-        <p:spPr>
-          <a:xfrm>
-            <a:off x="1525" y="6112401"/>
-            <a:ext cx="12188951" cy="64008"/>
-          </a:xfrm>
-          <a:prstGeom prst="rect">
-            <a:avLst/>
-          </a:prstGeom>
-          <a:solidFill>
-            <a:schemeClr val="tx2"/>
-          </a:solidFill>
-          <a:ln>
-            <a:noFill/>
-          </a:ln>
-        </p:spPr>
-        <p:style>
-          <a:lnRef idx="2">
-            <a:schemeClr val="accent1">
-              <a:shade val="50000"/>
-            </a:schemeClr>
-          </a:lnRef>
-          <a:fillRef idx="1">
-            <a:schemeClr val="accent1"/>
-          </a:fillRef>
-          <a:effectRef idx="0">
-            <a:schemeClr val="accent1"/>
-          </a:effectRef>
-          <a:fontRef idx="minor">
-            <a:schemeClr val="lt1"/>
-          </a:fontRef>
-        </p:style>
-        <p:txBody>
-          <a:bodyPr rtlCol="0" anchor="ctr"/>
-          <a:lstStyle/>
-          <a:p>
-            <a:pPr algn="ctr"/>
-            <a:endParaRPr lang="en-US" dirty="0"/>
-          </a:p>
-        </p:txBody>
-      </p:sp>
-      <p:sp>
-        <p:nvSpPr>
-          <p:cNvPr id="17" name="Footer Placeholder 7">
-            <a:extLst>
-              <a:ext uri="{FF2B5EF4-FFF2-40B4-BE49-F238E27FC236}">
-                <a16:creationId xmlns:a16="http://schemas.microsoft.com/office/drawing/2014/main" id="{182CF530-D736-4104-8678-850EEDF997E6}"/>
-              </a:ext>
-            </a:extLst>
-          </p:cNvPr>
-          <p:cNvSpPr>
-            <a:spLocks noGrp="1"/>
-          </p:cNvSpPr>
-          <p:nvPr>
-            <p:ph type="ftr" sz="quarter" idx="11"/>
-          </p:nvPr>
-        </p:nvSpPr>
-        <p:spPr>
-          <a:xfrm>
-            <a:off x="787178" y="6309360"/>
-            <a:ext cx="6623040" cy="457200"/>
-          </a:xfrm>
-        </p:spPr>
-        <p:txBody>
-          <a:bodyPr/>
-          <a:lstStyle>
-            <a:lvl1pPr>
-              <a:defRPr>
-                <a:solidFill>
-                  <a:schemeClr val="bg1"/>
-                </a:solidFill>
-              </a:defRPr>
-            </a:lvl1pPr>
-          </a:lstStyle>
-          <a:p>
-            <a:r>
-              <a:rPr lang="en-US" dirty="0"/>
-              <a:t>Presentation Title</a:t>
-            </a:r>
-          </a:p>
-        </p:txBody>
-      </p:sp>
-      <p:sp>
-        <p:nvSpPr>
-          <p:cNvPr id="19" name="Date Placeholder 5">
-            <a:extLst>
-              <a:ext uri="{FF2B5EF4-FFF2-40B4-BE49-F238E27FC236}">
-                <a16:creationId xmlns:a16="http://schemas.microsoft.com/office/drawing/2014/main" id="{8DEDB7CE-711E-4E43-9450-4C7BECE2FCFC}"/>
-              </a:ext>
-            </a:extLst>
-          </p:cNvPr>
-          <p:cNvSpPr>
-            <a:spLocks noGrp="1"/>
-          </p:cNvSpPr>
-          <p:nvPr>
-            <p:ph type="dt" sz="half" idx="10"/>
-          </p:nvPr>
-        </p:nvSpPr>
-        <p:spPr>
-          <a:xfrm>
-            <a:off x="8379537" y="6309360"/>
-            <a:ext cx="1885598" cy="457200"/>
-          </a:xfrm>
-        </p:spPr>
-        <p:txBody>
-          <a:bodyPr/>
-          <a:lstStyle/>
-          <a:p>
-            <a:r>
-              <a:rPr lang="en-US" dirty="0"/>
-              <a:t>9/8/20XX</a:t>
-            </a:r>
-          </a:p>
-        </p:txBody>
-      </p:sp>
-      <p:sp>
-        <p:nvSpPr>
-          <p:cNvPr id="20" name="Slide Number Placeholder 9">
-            <a:extLst>
-              <a:ext uri="{FF2B5EF4-FFF2-40B4-BE49-F238E27FC236}">
-                <a16:creationId xmlns:a16="http://schemas.microsoft.com/office/drawing/2014/main" id="{F5D9588C-9E6B-42F6-8B42-D18388626ACB}"/>
-              </a:ext>
-            </a:extLst>
-          </p:cNvPr>
-          <p:cNvSpPr>
-            <a:spLocks noGrp="1"/>
-          </p:cNvSpPr>
-          <p:nvPr>
-            <p:ph type="sldNum" sz="quarter" idx="12"/>
-          </p:nvPr>
-        </p:nvSpPr>
-        <p:spPr>
-          <a:xfrm>
-            <a:off x="10569202" y="6309360"/>
-            <a:ext cx="979879" cy="457200"/>
-          </a:xfrm>
-        </p:spPr>
-        <p:txBody>
-          <a:bodyPr/>
-          <a:lstStyle>
-            <a:lvl1pPr>
-              <a:defRPr sz="1200" b="0"/>
-            </a:lvl1pPr>
-          </a:lstStyle>
-          <a:p>
-            <a:fld id="{FAEF9944-A4F6-4C59-AEBD-678D6480B8EA}" type="slidenum">
-              <a:rPr lang="en-US" smtClean="0"/>
-              <a:pPr/>
-              <a:t>‹#›</a:t>
-            </a:fld>
-            <a:endParaRPr lang="en-US" dirty="0"/>
-          </a:p>
-        </p:txBody>
-      </p:sp>
-      <p:sp>
-        <p:nvSpPr>
-          <p:cNvPr id="18" name="Rectangle 17">
-            <a:extLst>
-              <a:ext uri="{FF2B5EF4-FFF2-40B4-BE49-F238E27FC236}">
-                <a16:creationId xmlns:a16="http://schemas.microsoft.com/office/drawing/2014/main" id="{3E23953F-BF80-48E0-8282-62907D6C29C6}"/>
-              </a:ext>
-              <a:ext uri="{C183D7F6-B498-43B3-948B-1728B52AA6E4}">
-                <adec:decorative xmlns:adec="http://schemas.microsoft.com/office/drawing/2017/decorative" val="1"/>
-              </a:ext>
-            </a:extLst>
-          </p:cNvPr>
-          <p:cNvSpPr/>
-          <p:nvPr userDrawn="1"/>
-        </p:nvSpPr>
-        <p:spPr>
-          <a:xfrm>
-            <a:off x="8142523" y="0"/>
-            <a:ext cx="64008" cy="6858000"/>
-          </a:xfrm>
-          <a:prstGeom prst="rect">
-            <a:avLst/>
-          </a:prstGeom>
-          <a:solidFill>
-            <a:schemeClr val="tx2"/>
-          </a:solidFill>
-          <a:ln>
-            <a:noFill/>
-          </a:ln>
-        </p:spPr>
-        <p:style>
-          <a:lnRef idx="2">
-            <a:schemeClr val="accent1">
-              <a:shade val="50000"/>
-            </a:schemeClr>
-          </a:lnRef>
-          <a:fillRef idx="1">
-            <a:schemeClr val="accent1"/>
-          </a:fillRef>
-          <a:effectRef idx="0">
-            <a:schemeClr val="accent1"/>
-          </a:effectRef>
-          <a:fontRef idx="minor">
-            <a:schemeClr val="lt1"/>
-          </a:fontRef>
-        </p:style>
-        <p:txBody>
-          <a:bodyPr rtlCol="0" anchor="ctr"/>
-          <a:lstStyle/>
-          <a:p>
-            <a:pPr algn="ctr"/>
-            <a:endParaRPr lang="en-US" dirty="0"/>
-          </a:p>
-        </p:txBody>
-      </p:sp>
-      <p:sp>
-        <p:nvSpPr>
-          <p:cNvPr id="2" name="Rectangle 1">
-            <a:extLst>
-              <a:ext uri="{FF2B5EF4-FFF2-40B4-BE49-F238E27FC236}">
-                <a16:creationId xmlns:a16="http://schemas.microsoft.com/office/drawing/2014/main" id="{BD79D74E-6357-D3E7-30C0-09B4B82BA321}"/>
-              </a:ext>
-              <a:ext uri="{C183D7F6-B498-43B3-948B-1728B52AA6E4}">
-                <adec:decorative xmlns:adec="http://schemas.microsoft.com/office/drawing/2017/decorative" val="1"/>
-              </a:ext>
-            </a:extLst>
-          </p:cNvPr>
-          <p:cNvSpPr/>
-          <p:nvPr userDrawn="1"/>
-        </p:nvSpPr>
-        <p:spPr>
-          <a:xfrm>
-            <a:off x="8203482" y="1095507"/>
-            <a:ext cx="3997653" cy="5016893"/>
-          </a:xfrm>
-          <a:prstGeom prst="rect">
-            <a:avLst/>
-          </a:prstGeom>
-          <a:solidFill>
-            <a:schemeClr val="accent1"/>
-          </a:solidFill>
-          <a:ln>
-            <a:noFill/>
-          </a:ln>
-        </p:spPr>
-        <p:style>
-          <a:lnRef idx="2">
-            <a:schemeClr val="accent1">
-              <a:shade val="50000"/>
-            </a:schemeClr>
-          </a:lnRef>
-          <a:fillRef idx="1">
-            <a:schemeClr val="accent1"/>
-          </a:fillRef>
-          <a:effectRef idx="0">
-            <a:schemeClr val="accent1"/>
-          </a:effectRef>
-          <a:fontRef idx="minor">
-            <a:schemeClr val="lt1"/>
-          </a:fontRef>
-        </p:style>
-        <p:txBody>
-          <a:bodyPr rtlCol="0" anchor="ctr"/>
-          <a:lstStyle/>
-          <a:p>
-            <a:pPr algn="ctr"/>
-            <a:endParaRPr lang="en-US" dirty="0"/>
-          </a:p>
-        </p:txBody>
-      </p:sp>
-    </p:spTree>
-    <p:extLst>
-      <p:ext uri="{BB962C8B-B14F-4D97-AF65-F5344CB8AC3E}">
-        <p14:creationId xmlns:p14="http://schemas.microsoft.com/office/powerpoint/2010/main" val="3309238650"/>
-      </p:ext>
-    </p:extLst>
-  </p:cSld>
-  <p:clrMapOvr>
-    <a:masterClrMapping/>
-  </p:clrMapOvr>
-</p:sldLayout>
-</file>
-
-<file path=ppt/slideLayouts/slideLayout14.xml><?xml version="1.0" encoding="utf-8"?>
-<p:sldLayout xmlns:a="http://schemas.openxmlformats.org/drawingml/2006/main" xmlns:r="http://schemas.openxmlformats.org/officeDocument/2006/relationships" xmlns:p="http://schemas.openxmlformats.org/presentationml/2006/main" userDrawn="1">
-  <p:cSld name="Two Content 2">
-    <p:spTree>
-      <p:nvGrpSpPr>
-        <p:cNvPr id="1" name=""/>
-        <p:cNvGrpSpPr/>
-        <p:nvPr/>
-      </p:nvGrpSpPr>
-      <p:grpSpPr>
-        <a:xfrm>
-          <a:off x="0" y="0"/>
-          <a:ext cx="0" cy="0"/>
-          <a:chOff x="0" y="0"/>
-          <a:chExt cx="0" cy="0"/>
-        </a:xfrm>
-      </p:grpSpPr>
-      <p:sp useBgFill="1">
-        <p:nvSpPr>
-          <p:cNvPr id="6" name="Rectangle 5">
-            <a:extLst>
-              <a:ext uri="{FF2B5EF4-FFF2-40B4-BE49-F238E27FC236}">
-                <a16:creationId xmlns:a16="http://schemas.microsoft.com/office/drawing/2014/main" id="{2DF88512-9E62-4695-B350-39488566A1F7}"/>
-              </a:ext>
-              <a:ext uri="{C183D7F6-B498-43B3-948B-1728B52AA6E4}">
-                <adec:decorative xmlns:adec="http://schemas.microsoft.com/office/drawing/2017/decorative" val="1"/>
-              </a:ext>
-            </a:extLst>
-          </p:cNvPr>
-          <p:cNvSpPr/>
-          <p:nvPr userDrawn="1"/>
-        </p:nvSpPr>
-        <p:spPr>
-          <a:xfrm>
-            <a:off x="0" y="0"/>
-            <a:ext cx="12192001" cy="6858000"/>
-          </a:xfrm>
-          <a:prstGeom prst="rect">
-            <a:avLst/>
-          </a:prstGeom>
-          <a:ln>
-            <a:noFill/>
-          </a:ln>
-        </p:spPr>
-        <p:style>
-          <a:lnRef idx="2">
-            <a:schemeClr val="accent1">
-              <a:shade val="50000"/>
-            </a:schemeClr>
-          </a:lnRef>
-          <a:fillRef idx="1">
-            <a:schemeClr val="accent1"/>
-          </a:fillRef>
-          <a:effectRef idx="0">
-            <a:schemeClr val="accent1"/>
-          </a:effectRef>
-          <a:fontRef idx="minor">
-            <a:schemeClr val="lt1"/>
-          </a:fontRef>
-        </p:style>
-        <p:txBody>
-          <a:bodyPr rtlCol="0" anchor="ctr"/>
-          <a:lstStyle/>
-          <a:p>
-            <a:pPr algn="ctr"/>
-            <a:endParaRPr lang="en-US" dirty="0"/>
-          </a:p>
-        </p:txBody>
-      </p:sp>
-      <p:sp>
-        <p:nvSpPr>
-          <p:cNvPr id="7" name="Rectangle 6">
-            <a:extLst>
-              <a:ext uri="{FF2B5EF4-FFF2-40B4-BE49-F238E27FC236}">
-                <a16:creationId xmlns:a16="http://schemas.microsoft.com/office/drawing/2014/main" id="{18CD596D-95F4-4C5C-A0E7-86D747FE70BE}"/>
-              </a:ext>
-              <a:ext uri="{C183D7F6-B498-43B3-948B-1728B52AA6E4}">
-                <adec:decorative xmlns:adec="http://schemas.microsoft.com/office/drawing/2017/decorative" val="1"/>
-              </a:ext>
-            </a:extLst>
-          </p:cNvPr>
-          <p:cNvSpPr/>
-          <p:nvPr userDrawn="1"/>
-        </p:nvSpPr>
-        <p:spPr>
-          <a:xfrm>
-            <a:off x="1038768" y="2130218"/>
-            <a:ext cx="11153231" cy="4727782"/>
-          </a:xfrm>
-          <a:prstGeom prst="rect">
-            <a:avLst/>
-          </a:prstGeom>
-          <a:solidFill>
-            <a:schemeClr val="bg1">
-              <a:alpha val="75000"/>
-            </a:schemeClr>
-          </a:solidFill>
-          <a:ln>
-            <a:noFill/>
-          </a:ln>
-        </p:spPr>
-        <p:style>
-          <a:lnRef idx="2">
-            <a:schemeClr val="accent1">
-              <a:shade val="50000"/>
-            </a:schemeClr>
-          </a:lnRef>
-          <a:fillRef idx="1">
-            <a:schemeClr val="accent1"/>
-          </a:fillRef>
-          <a:effectRef idx="0">
-            <a:schemeClr val="accent1"/>
-          </a:effectRef>
-          <a:fontRef idx="minor">
-            <a:schemeClr val="lt1"/>
-          </a:fontRef>
-        </p:style>
-        <p:txBody>
-          <a:bodyPr rtlCol="0" anchor="ctr"/>
-          <a:lstStyle/>
-          <a:p>
-            <a:pPr algn="ctr"/>
-            <a:endParaRPr lang="en-US" dirty="0"/>
-          </a:p>
-        </p:txBody>
-      </p:sp>
-      <p:sp>
-        <p:nvSpPr>
-          <p:cNvPr id="8" name="Rectangle 7">
-            <a:extLst>
-              <a:ext uri="{FF2B5EF4-FFF2-40B4-BE49-F238E27FC236}">
-                <a16:creationId xmlns:a16="http://schemas.microsoft.com/office/drawing/2014/main" id="{67553E9F-DCBF-4BEE-A261-5AA97361A0E0}"/>
-              </a:ext>
-              <a:ext uri="{C183D7F6-B498-43B3-948B-1728B52AA6E4}">
-                <adec:decorative xmlns:adec="http://schemas.microsoft.com/office/drawing/2017/decorative" val="1"/>
-              </a:ext>
-            </a:extLst>
-          </p:cNvPr>
-          <p:cNvSpPr/>
-          <p:nvPr userDrawn="1"/>
-        </p:nvSpPr>
-        <p:spPr>
-          <a:xfrm>
-            <a:off x="0" y="896641"/>
-            <a:ext cx="12192000" cy="1347716"/>
-          </a:xfrm>
-          <a:prstGeom prst="rect">
-            <a:avLst/>
-          </a:prstGeom>
-          <a:solidFill>
-            <a:schemeClr val="tx2"/>
-          </a:solidFill>
-          <a:ln>
-            <a:noFill/>
-          </a:ln>
-        </p:spPr>
-        <p:style>
-          <a:lnRef idx="2">
-            <a:schemeClr val="accent1">
-              <a:shade val="50000"/>
-            </a:schemeClr>
-          </a:lnRef>
-          <a:fillRef idx="1">
-            <a:schemeClr val="accent1"/>
-          </a:fillRef>
-          <a:effectRef idx="0">
-            <a:schemeClr val="accent1"/>
-          </a:effectRef>
-          <a:fontRef idx="minor">
-            <a:schemeClr val="lt1"/>
-          </a:fontRef>
-        </p:style>
-        <p:txBody>
-          <a:bodyPr rtlCol="0" anchor="ctr"/>
-          <a:lstStyle/>
-          <a:p>
-            <a:pPr algn="ctr"/>
-            <a:endParaRPr lang="en-US" dirty="0"/>
-          </a:p>
-        </p:txBody>
-      </p:sp>
-      <p:sp>
-        <p:nvSpPr>
-          <p:cNvPr id="9" name="Title 1">
-            <a:extLst>
-              <a:ext uri="{FF2B5EF4-FFF2-40B4-BE49-F238E27FC236}">
-                <a16:creationId xmlns:a16="http://schemas.microsoft.com/office/drawing/2014/main" id="{949B0EB0-AEBA-44ED-BC77-4188C7486144}"/>
-              </a:ext>
-            </a:extLst>
-          </p:cNvPr>
-          <p:cNvSpPr>
-            <a:spLocks noGrp="1"/>
-          </p:cNvSpPr>
-          <p:nvPr>
-            <p:ph type="title" hasCustomPrompt="1"/>
-          </p:nvPr>
-        </p:nvSpPr>
-        <p:spPr>
-          <a:xfrm>
-            <a:off x="1535371" y="962423"/>
-            <a:ext cx="10013710" cy="1216152"/>
-          </a:xfrm>
-        </p:spPr>
-        <p:txBody>
-          <a:bodyPr tIns="182880" anchor="ctr" anchorCtr="0">
-            <a:noAutofit/>
-          </a:bodyPr>
-          <a:lstStyle>
-            <a:lvl1pPr>
-              <a:lnSpc>
-                <a:spcPct val="100000"/>
-              </a:lnSpc>
-              <a:defRPr sz="3200">
-                <a:solidFill>
-                  <a:schemeClr val="bg1"/>
-                </a:solidFill>
-              </a:defRPr>
-            </a:lvl1pPr>
-          </a:lstStyle>
-          <a:p>
-            <a:r>
-              <a:rPr lang="en-US" dirty="0">
-                <a:solidFill>
-                  <a:schemeClr val="bg1"/>
-                </a:solidFill>
-              </a:rPr>
-              <a:t>Click to add title</a:t>
-            </a:r>
-          </a:p>
-        </p:txBody>
-      </p:sp>
-      <p:sp>
-        <p:nvSpPr>
-          <p:cNvPr id="2" name="Content Placeholder 2">
-            <a:extLst>
-              <a:ext uri="{FF2B5EF4-FFF2-40B4-BE49-F238E27FC236}">
-                <a16:creationId xmlns:a16="http://schemas.microsoft.com/office/drawing/2014/main" id="{252AD8E1-37CB-EB1E-9394-A293E1F2107F}"/>
-              </a:ext>
-            </a:extLst>
-          </p:cNvPr>
-          <p:cNvSpPr>
-            <a:spLocks noGrp="1"/>
-          </p:cNvSpPr>
-          <p:nvPr>
-            <p:ph sz="quarter" idx="18" hasCustomPrompt="1"/>
-          </p:nvPr>
-        </p:nvSpPr>
-        <p:spPr>
-          <a:xfrm>
-            <a:off x="1542563" y="2590800"/>
-            <a:ext cx="6441412" cy="3718557"/>
-          </a:xfrm>
-        </p:spPr>
-        <p:txBody>
-          <a:bodyPr anchor="t">
-            <a:normAutofit/>
-          </a:bodyPr>
-          <a:lstStyle>
-            <a:lvl1pPr marL="0" indent="0">
-              <a:lnSpc>
-                <a:spcPct val="125000"/>
-              </a:lnSpc>
-              <a:spcAft>
-                <a:spcPts val="600"/>
-              </a:spcAft>
-              <a:buNone/>
-              <a:defRPr sz="1800" b="0"/>
-            </a:lvl1pPr>
-            <a:lvl2pPr marL="283464">
-              <a:lnSpc>
-                <a:spcPct val="125000"/>
-              </a:lnSpc>
-              <a:spcAft>
-                <a:spcPts val="600"/>
-              </a:spcAft>
-              <a:defRPr sz="1800"/>
-            </a:lvl2pPr>
-            <a:lvl3pPr marL="566928">
-              <a:lnSpc>
-                <a:spcPct val="125000"/>
-              </a:lnSpc>
-              <a:spcAft>
-                <a:spcPts val="600"/>
-              </a:spcAft>
-              <a:defRPr sz="1800"/>
-            </a:lvl3pPr>
-            <a:lvl4pPr marL="850392">
-              <a:lnSpc>
-                <a:spcPct val="125000"/>
-              </a:lnSpc>
-              <a:spcAft>
-                <a:spcPts val="600"/>
-              </a:spcAft>
-              <a:defRPr sz="1800"/>
-            </a:lvl4pPr>
-            <a:lvl5pPr marL="1133856">
-              <a:lnSpc>
-                <a:spcPct val="125000"/>
-              </a:lnSpc>
-              <a:spcAft>
-                <a:spcPts val="600"/>
-              </a:spcAft>
-              <a:defRPr sz="1800"/>
-            </a:lvl5pPr>
-          </a:lstStyle>
-          <a:p>
-            <a:pPr lvl="0"/>
-            <a:r>
-              <a:rPr lang="en-US" dirty="0"/>
-              <a:t>Click to add text</a:t>
-            </a:r>
-          </a:p>
-          <a:p>
-            <a:pPr lvl="1"/>
-            <a:r>
-              <a:rPr lang="en-US" dirty="0"/>
-              <a:t>Second level</a:t>
-            </a:r>
-          </a:p>
-          <a:p>
-            <a:pPr lvl="2"/>
-            <a:r>
-              <a:rPr lang="en-US" dirty="0"/>
-              <a:t>Third level</a:t>
-            </a:r>
-          </a:p>
-          <a:p>
-            <a:pPr lvl="3"/>
-            <a:r>
-              <a:rPr lang="en-US" dirty="0"/>
-              <a:t>Fourth level</a:t>
-            </a:r>
-          </a:p>
-          <a:p>
-            <a:pPr lvl="4"/>
-            <a:r>
-              <a:rPr lang="en-US" dirty="0"/>
-              <a:t>Fifth level</a:t>
-            </a:r>
-          </a:p>
-        </p:txBody>
-      </p:sp>
-      <p:sp>
-        <p:nvSpPr>
-          <p:cNvPr id="16" name="Content Placeholder 2">
-            <a:extLst>
-              <a:ext uri="{FF2B5EF4-FFF2-40B4-BE49-F238E27FC236}">
-                <a16:creationId xmlns:a16="http://schemas.microsoft.com/office/drawing/2014/main" id="{5B37B294-6F01-986D-E8E5-119AE9A8F2BE}"/>
-              </a:ext>
-            </a:extLst>
-          </p:cNvPr>
-          <p:cNvSpPr>
-            <a:spLocks noGrp="1"/>
-          </p:cNvSpPr>
-          <p:nvPr>
-            <p:ph sz="quarter" idx="17" hasCustomPrompt="1"/>
-          </p:nvPr>
-        </p:nvSpPr>
-        <p:spPr>
-          <a:xfrm>
-            <a:off x="8197362" y="2590800"/>
-            <a:ext cx="3522849" cy="3718557"/>
-          </a:xfrm>
-        </p:spPr>
-        <p:txBody>
-          <a:bodyPr anchor="t">
-            <a:normAutofit/>
-          </a:bodyPr>
-          <a:lstStyle>
-            <a:lvl1pPr marL="285750" indent="-285750">
-              <a:lnSpc>
-                <a:spcPct val="125000"/>
-              </a:lnSpc>
-              <a:spcAft>
-                <a:spcPts val="600"/>
-              </a:spcAft>
-              <a:buFont typeface="Wingdings" panose="05000000000000000000" pitchFamily="2" charset="2"/>
-              <a:buChar char="§"/>
-              <a:defRPr sz="1800" b="0"/>
-            </a:lvl1pPr>
-            <a:lvl2pPr>
-              <a:lnSpc>
-                <a:spcPct val="125000"/>
-              </a:lnSpc>
-              <a:spcAft>
-                <a:spcPts val="600"/>
-              </a:spcAft>
-              <a:defRPr sz="1800"/>
-            </a:lvl2pPr>
-            <a:lvl3pPr>
-              <a:lnSpc>
-                <a:spcPct val="125000"/>
-              </a:lnSpc>
-              <a:spcAft>
-                <a:spcPts val="600"/>
-              </a:spcAft>
-              <a:defRPr sz="1800"/>
-            </a:lvl3pPr>
-            <a:lvl4pPr>
-              <a:lnSpc>
-                <a:spcPct val="125000"/>
-              </a:lnSpc>
-              <a:spcAft>
-                <a:spcPts val="600"/>
-              </a:spcAft>
-              <a:defRPr sz="1800"/>
-            </a:lvl4pPr>
-            <a:lvl5pPr>
-              <a:lnSpc>
-                <a:spcPct val="125000"/>
-              </a:lnSpc>
-              <a:spcAft>
-                <a:spcPts val="600"/>
-              </a:spcAft>
-              <a:defRPr sz="1800"/>
-            </a:lvl5pPr>
-          </a:lstStyle>
-          <a:p>
-            <a:pPr lvl="0"/>
-            <a:r>
-              <a:rPr lang="en-US" dirty="0"/>
-              <a:t>Click to add text</a:t>
-            </a:r>
-          </a:p>
-          <a:p>
-            <a:pPr lvl="1"/>
-            <a:r>
-              <a:rPr lang="en-US" dirty="0"/>
-              <a:t>Second level</a:t>
-            </a:r>
-          </a:p>
-          <a:p>
-            <a:pPr lvl="2"/>
-            <a:r>
-              <a:rPr lang="en-US" dirty="0"/>
-              <a:t>Third level</a:t>
-            </a:r>
-          </a:p>
-          <a:p>
-            <a:pPr lvl="3"/>
-            <a:r>
-              <a:rPr lang="en-US" dirty="0"/>
-              <a:t>Fourth level</a:t>
-            </a:r>
-          </a:p>
-          <a:p>
-            <a:pPr lvl="4"/>
-            <a:r>
-              <a:rPr lang="en-US" dirty="0"/>
-              <a:t>Fifth level</a:t>
-            </a:r>
-          </a:p>
-        </p:txBody>
-      </p:sp>
-      <p:sp>
-        <p:nvSpPr>
-          <p:cNvPr id="10" name="Rectangle 9">
-            <a:extLst>
-              <a:ext uri="{FF2B5EF4-FFF2-40B4-BE49-F238E27FC236}">
-                <a16:creationId xmlns:a16="http://schemas.microsoft.com/office/drawing/2014/main" id="{7278DD10-67BC-4E87-A788-A45C6093F5F8}"/>
-              </a:ext>
-              <a:ext uri="{C183D7F6-B498-43B3-948B-1728B52AA6E4}">
-                <adec:decorative xmlns:adec="http://schemas.microsoft.com/office/drawing/2017/decorative" val="1"/>
-              </a:ext>
-            </a:extLst>
-          </p:cNvPr>
-          <p:cNvSpPr/>
-          <p:nvPr userDrawn="1"/>
-        </p:nvSpPr>
-        <p:spPr>
-          <a:xfrm>
-            <a:off x="-1" y="962423"/>
-            <a:ext cx="1006766" cy="1216152"/>
-          </a:xfrm>
-          <a:prstGeom prst="rect">
-            <a:avLst/>
-          </a:prstGeom>
-          <a:solidFill>
-            <a:schemeClr val="accent1"/>
-          </a:solidFill>
-          <a:ln>
-            <a:noFill/>
-          </a:ln>
-        </p:spPr>
-        <p:style>
-          <a:lnRef idx="2">
-            <a:schemeClr val="accent1">
-              <a:shade val="50000"/>
-            </a:schemeClr>
-          </a:lnRef>
-          <a:fillRef idx="1">
-            <a:schemeClr val="accent1"/>
-          </a:fillRef>
-          <a:effectRef idx="0">
-            <a:schemeClr val="accent1"/>
-          </a:effectRef>
-          <a:fontRef idx="minor">
-            <a:schemeClr val="lt1"/>
-          </a:fontRef>
-        </p:style>
-        <p:txBody>
-          <a:bodyPr rtlCol="0" anchor="ctr"/>
-          <a:lstStyle/>
-          <a:p>
-            <a:pPr algn="ctr"/>
-            <a:endParaRPr lang="en-US" dirty="0"/>
-          </a:p>
-        </p:txBody>
-      </p:sp>
-      <p:sp>
-        <p:nvSpPr>
-          <p:cNvPr id="11" name="Rectangle 10">
-            <a:extLst>
-              <a:ext uri="{FF2B5EF4-FFF2-40B4-BE49-F238E27FC236}">
-                <a16:creationId xmlns:a16="http://schemas.microsoft.com/office/drawing/2014/main" id="{916769F5-486B-4B48-A543-2C70359DF66E}"/>
-              </a:ext>
-              <a:ext uri="{C183D7F6-B498-43B3-948B-1728B52AA6E4}">
-                <adec:decorative xmlns:adec="http://schemas.microsoft.com/office/drawing/2017/decorative" val="1"/>
-              </a:ext>
-            </a:extLst>
-          </p:cNvPr>
-          <p:cNvSpPr/>
-          <p:nvPr userDrawn="1"/>
-        </p:nvSpPr>
-        <p:spPr>
-          <a:xfrm rot="5400000">
-            <a:off x="-2390232" y="3396997"/>
-            <a:ext cx="6858002" cy="64008"/>
-          </a:xfrm>
-          <a:prstGeom prst="rect">
-            <a:avLst/>
-          </a:prstGeom>
-          <a:solidFill>
-            <a:schemeClr val="tx2"/>
-          </a:solidFill>
-          <a:ln>
-            <a:noFill/>
-          </a:ln>
-        </p:spPr>
-        <p:style>
-          <a:lnRef idx="2">
-            <a:schemeClr val="accent1">
-              <a:shade val="50000"/>
-            </a:schemeClr>
-          </a:lnRef>
-          <a:fillRef idx="1">
-            <a:schemeClr val="accent1"/>
-          </a:fillRef>
-          <a:effectRef idx="0">
-            <a:schemeClr val="accent1"/>
-          </a:effectRef>
-          <a:fontRef idx="minor">
-            <a:schemeClr val="lt1"/>
-          </a:fontRef>
-        </p:style>
-        <p:txBody>
-          <a:bodyPr rtlCol="0" anchor="ctr"/>
-          <a:lstStyle/>
-          <a:p>
-            <a:pPr algn="ctr"/>
-            <a:endParaRPr lang="en-US" dirty="0"/>
-          </a:p>
-        </p:txBody>
-      </p:sp>
-      <p:sp>
-        <p:nvSpPr>
-          <p:cNvPr id="12" name="Footer Placeholder 4">
-            <a:extLst>
-              <a:ext uri="{FF2B5EF4-FFF2-40B4-BE49-F238E27FC236}">
-                <a16:creationId xmlns:a16="http://schemas.microsoft.com/office/drawing/2014/main" id="{B47BB165-F380-48C4-B95B-C09C91893B2D}"/>
-              </a:ext>
-            </a:extLst>
-          </p:cNvPr>
-          <p:cNvSpPr>
-            <a:spLocks noGrp="1"/>
-          </p:cNvSpPr>
-          <p:nvPr>
-            <p:ph type="ftr" sz="quarter" idx="11"/>
-          </p:nvPr>
-        </p:nvSpPr>
-        <p:spPr>
-          <a:xfrm>
-            <a:off x="1535371" y="6309360"/>
-            <a:ext cx="5049579" cy="457200"/>
-          </a:xfrm>
-        </p:spPr>
-        <p:txBody>
-          <a:bodyPr/>
-          <a:lstStyle/>
-          <a:p>
-            <a:r>
-              <a:rPr lang="en-US" dirty="0"/>
-              <a:t>Presentation Title</a:t>
-            </a:r>
-          </a:p>
-        </p:txBody>
-      </p:sp>
-      <p:sp>
-        <p:nvSpPr>
-          <p:cNvPr id="14" name="Slide Number Placeholder 5">
-            <a:extLst>
-              <a:ext uri="{FF2B5EF4-FFF2-40B4-BE49-F238E27FC236}">
-                <a16:creationId xmlns:a16="http://schemas.microsoft.com/office/drawing/2014/main" id="{F0805E9B-6657-4167-BD79-CAC59C0D841D}"/>
-              </a:ext>
-            </a:extLst>
-          </p:cNvPr>
-          <p:cNvSpPr>
-            <a:spLocks noGrp="1"/>
-          </p:cNvSpPr>
-          <p:nvPr>
-            <p:ph type="sldNum" sz="quarter" idx="12"/>
-          </p:nvPr>
-        </p:nvSpPr>
-        <p:spPr>
-          <a:xfrm>
-            <a:off x="10569202" y="6309360"/>
-            <a:ext cx="979879" cy="457200"/>
-          </a:xfrm>
-        </p:spPr>
-        <p:txBody>
-          <a:bodyPr/>
-          <a:lstStyle>
-            <a:lvl1pPr>
-              <a:defRPr sz="1200" b="0"/>
-            </a:lvl1pPr>
-          </a:lstStyle>
-          <a:p>
-            <a:fld id="{FAEF9944-A4F6-4C59-AEBD-678D6480B8EA}" type="slidenum">
-              <a:rPr lang="en-US" smtClean="0"/>
-              <a:pPr/>
-              <a:t>‹#›</a:t>
-            </a:fld>
-            <a:endParaRPr lang="en-US" dirty="0"/>
-          </a:p>
-        </p:txBody>
-      </p:sp>
-      <p:sp>
-        <p:nvSpPr>
-          <p:cNvPr id="3" name="Date Placeholder 3">
-            <a:extLst>
-              <a:ext uri="{FF2B5EF4-FFF2-40B4-BE49-F238E27FC236}">
-                <a16:creationId xmlns:a16="http://schemas.microsoft.com/office/drawing/2014/main" id="{D0EFA1AD-93FB-148E-CFC6-A6E5D9967406}"/>
-              </a:ext>
-            </a:extLst>
-          </p:cNvPr>
-          <p:cNvSpPr>
-            <a:spLocks noGrp="1"/>
-          </p:cNvSpPr>
-          <p:nvPr>
-            <p:ph type="dt" sz="half" idx="10"/>
-          </p:nvPr>
-        </p:nvSpPr>
-        <p:spPr>
-          <a:xfrm>
-            <a:off x="6678168" y="6309360"/>
-            <a:ext cx="2148840" cy="457200"/>
-          </a:xfrm>
-        </p:spPr>
-        <p:txBody>
-          <a:bodyPr/>
-          <a:lstStyle>
-            <a:lvl1pPr algn="l">
-              <a:defRPr/>
-            </a:lvl1pPr>
-          </a:lstStyle>
-          <a:p>
-            <a:r>
-              <a:rPr lang="en-US" dirty="0"/>
-              <a:t>9/8/20XX</a:t>
-            </a:r>
-          </a:p>
-        </p:txBody>
-      </p:sp>
-    </p:spTree>
-    <p:extLst>
-      <p:ext uri="{BB962C8B-B14F-4D97-AF65-F5344CB8AC3E}">
-        <p14:creationId xmlns:p14="http://schemas.microsoft.com/office/powerpoint/2010/main" val="3790361069"/>
-      </p:ext>
-    </p:extLst>
-  </p:cSld>
-  <p:clrMapOvr>
-    <a:masterClrMapping/>
-  </p:clrMapOvr>
-</p:sldLayout>
-</file>
-
-<file path=ppt/slideLayouts/slideLayout15.xml><?xml version="1.0" encoding="utf-8"?>
 <p:sldLayout xmlns:a="http://schemas.openxmlformats.org/drawingml/2006/main" xmlns:r="http://schemas.openxmlformats.org/officeDocument/2006/relationships" xmlns:p="http://schemas.openxmlformats.org/presentationml/2006/main" showMasterSp="0" userDrawn="1">
   <p:cSld name="Title + Subtitle">
     <p:spTree>
@@ -4400,7 +2737,7 @@
 </p:sldLayout>
 </file>
 
-<file path=ppt/slideLayouts/slideLayout16.xml><?xml version="1.0" encoding="utf-8"?>
+<file path=ppt/slideLayouts/slideLayout14.xml><?xml version="1.0" encoding="utf-8"?>
 <p:sldLayout xmlns:a="http://schemas.openxmlformats.org/drawingml/2006/main" xmlns:r="http://schemas.openxmlformats.org/officeDocument/2006/relationships" xmlns:p="http://schemas.openxmlformats.org/presentationml/2006/main" userDrawn="1">
   <p:cSld name="Two Content 3">
     <p:spTree>
@@ -5185,7 +3522,7 @@
 </p:sldLayout>
 </file>
 
-<file path=ppt/slideLayouts/slideLayout17.xml><?xml version="1.0" encoding="utf-8"?>
+<file path=ppt/slideLayouts/slideLayout15.xml><?xml version="1.0" encoding="utf-8"?>
 <p:sldLayout xmlns:a="http://schemas.openxmlformats.org/drawingml/2006/main" xmlns:r="http://schemas.openxmlformats.org/officeDocument/2006/relationships" xmlns:p="http://schemas.openxmlformats.org/presentationml/2006/main" userDrawn="1">
   <p:cSld name="Content 1">
     <p:spTree>
@@ -7169,7 +5506,7 @@
           <a:p>
             <a:fld id="{005CD215-1C45-48A0-8534-39FFE8A7C95A}" type="datetime1">
               <a:rPr lang="en-US" smtClean="0"/>
-              <a:t>11/24/2024</a:t>
+              <a:t>12/16/2024</a:t>
             </a:fld>
             <a:endParaRPr lang="en-US" dirty="0"/>
           </a:p>
@@ -8633,7 +6970,7 @@
           <p:nvPr/>
         </p:nvPicPr>
         <p:blipFill rotWithShape="1">
-          <a:blip r:embed="rId19">
+          <a:blip r:embed="rId17">
             <a:extLst>
               <a:ext uri="{28A0092B-C50C-407E-A947-70E740481C1C}">
                 <a14:useLocalDpi xmlns:a14="http://schemas.microsoft.com/office/drawing/2010/main" val="0"/>
@@ -8928,11 +7265,9 @@
     <p:sldLayoutId id="2147483744" r:id="rId10"/>
     <p:sldLayoutId id="2147483745" r:id="rId11"/>
     <p:sldLayoutId id="2147483746" r:id="rId12"/>
-    <p:sldLayoutId id="2147483747" r:id="rId13"/>
-    <p:sldLayoutId id="2147483748" r:id="rId14"/>
-    <p:sldLayoutId id="2147483749" r:id="rId15"/>
-    <p:sldLayoutId id="2147483750" r:id="rId16"/>
-    <p:sldLayoutId id="2147483751" r:id="rId17"/>
+    <p:sldLayoutId id="2147483749" r:id="rId13"/>
+    <p:sldLayoutId id="2147483750" r:id="rId14"/>
+    <p:sldLayoutId id="2147483751" r:id="rId15"/>
   </p:sldLayoutIdLst>
   <p:hf sldNum="0" hdr="0" ftr="0" dt="0"/>
   <p:txStyles>
@@ -9340,6 +7675,14 @@
 <file path=ppt/slides/slide2.xml><?xml version="1.0" encoding="utf-8"?>
 <p:sld xmlns:a="http://schemas.openxmlformats.org/drawingml/2006/main" xmlns:r="http://schemas.openxmlformats.org/officeDocument/2006/relationships" xmlns:p="http://schemas.openxmlformats.org/presentationml/2006/main">
   <p:cSld>
+    <p:bg>
+      <p:bgPr>
+        <a:solidFill>
+          <a:schemeClr val="bg2"/>
+        </a:solidFill>
+        <a:effectLst/>
+      </p:bgPr>
+    </p:bg>
     <p:spTree>
       <p:nvGrpSpPr>
         <p:cNvPr id="1" name=""/>
@@ -9356,10 +7699,10 @@
       </p:grpSpPr>
       <p:sp>
         <p:nvSpPr>
-          <p:cNvPr id="4" name="Title 3">
+          <p:cNvPr id="7" name="Title 6">
             <a:extLst>
               <a:ext uri="{FF2B5EF4-FFF2-40B4-BE49-F238E27FC236}">
-                <a16:creationId xmlns:a16="http://schemas.microsoft.com/office/drawing/2014/main" id="{FFDE6B89-9484-4E50-8387-C55E031D8549}"/>
+                <a16:creationId xmlns:a16="http://schemas.microsoft.com/office/drawing/2014/main" id="{0814B6A3-5F3E-4909-8ED5-87FE82492264}"/>
               </a:ext>
             </a:extLst>
           </p:cNvPr>
@@ -9367,29 +7710,29 @@
             <a:spLocks noGrp="1"/>
           </p:cNvSpPr>
           <p:nvPr>
-            <p:ph type="title"/>
+            <p:ph type="ctrTitle"/>
           </p:nvPr>
         </p:nvSpPr>
         <p:spPr/>
         <p:txBody>
-          <a:bodyPr>
+          <a:bodyPr vert="horz" lIns="109728" tIns="109728" rIns="109728" bIns="91440" rtlCol="0" anchor="b">
             <a:normAutofit/>
           </a:bodyPr>
           <a:lstStyle/>
           <a:p>
             <a:r>
               <a:rPr lang="en-US" dirty="0"/>
-              <a:t>Agenda</a:t>
-            </a:r>
-          </a:p>
-        </p:txBody>
-      </p:sp>
-      <p:sp>
-        <p:nvSpPr>
-          <p:cNvPr id="5" name="Content Placeholder 4">
+              <a:t>System Demo</a:t>
+            </a:r>
+          </a:p>
+        </p:txBody>
+      </p:sp>
+      <p:sp>
+        <p:nvSpPr>
+          <p:cNvPr id="6" name="Text Placeholder 5">
             <a:extLst>
               <a:ext uri="{FF2B5EF4-FFF2-40B4-BE49-F238E27FC236}">
-                <a16:creationId xmlns:a16="http://schemas.microsoft.com/office/drawing/2014/main" id="{30EB58E2-A9A0-481A-8B5B-381B836CE40B}"/>
+                <a16:creationId xmlns:a16="http://schemas.microsoft.com/office/drawing/2014/main" id="{7C94F61A-46C1-B831-7EC4-687DF1C757C5}"/>
               </a:ext>
             </a:extLst>
           </p:cNvPr>
@@ -9397,43 +7740,17 @@
             <a:spLocks noGrp="1"/>
           </p:cNvSpPr>
           <p:nvPr>
-            <p:ph sz="quarter" idx="14"/>
+            <p:ph type="body" sz="quarter" idx="10"/>
           </p:nvPr>
         </p:nvSpPr>
         <p:spPr/>
         <p:txBody>
-          <a:bodyPr>
-            <a:normAutofit/>
-          </a:bodyPr>
-          <a:lstStyle/>
-          <a:p>
-            <a:pPr marL="342900" indent="-342900">
-              <a:buFont typeface="Wingdings" panose="05000000000000000000" pitchFamily="2" charset="2"/>
-              <a:buChar char="§"/>
-            </a:pPr>
+          <a:bodyPr/>
+          <a:lstStyle/>
+          <a:p>
             <a:r>
               <a:rPr lang="en-US" dirty="0"/>
-              <a:t>Current Implementation</a:t>
-            </a:r>
-          </a:p>
-          <a:p>
-            <a:pPr marL="342900" indent="-342900">
-              <a:buFont typeface="Wingdings" panose="05000000000000000000" pitchFamily="2" charset="2"/>
-              <a:buChar char="§"/>
-            </a:pPr>
-            <a:r>
-              <a:rPr lang="en-US" dirty="0"/>
-              <a:t>System Demo</a:t>
-            </a:r>
-          </a:p>
-          <a:p>
-            <a:pPr marL="342900" indent="-342900">
-              <a:buFont typeface="Wingdings" panose="05000000000000000000" pitchFamily="2" charset="2"/>
-              <a:buChar char="§"/>
-            </a:pPr>
-            <a:r>
-              <a:rPr lang="en-US" dirty="0"/>
-              <a:t>Future Implementation</a:t>
+              <a:t>Office reservation system</a:t>
             </a:r>
           </a:p>
         </p:txBody>
@@ -9441,7 +7758,7 @@
     </p:spTree>
     <p:extLst>
       <p:ext uri="{BB962C8B-B14F-4D97-AF65-F5344CB8AC3E}">
-        <p14:creationId xmlns:p14="http://schemas.microsoft.com/office/powerpoint/2010/main" val="3318299500"/>
+        <p14:creationId xmlns:p14="http://schemas.microsoft.com/office/powerpoint/2010/main" val="3111549375"/>
       </p:ext>
     </p:extLst>
   </p:cSld>
@@ -9491,210 +7808,6 @@
           <a:p>
             <a:r>
               <a:rPr lang="en-US" dirty="0"/>
-              <a:t>Current implementation</a:t>
-            </a:r>
-          </a:p>
-        </p:txBody>
-      </p:sp>
-      <p:sp>
-        <p:nvSpPr>
-          <p:cNvPr id="4" name="Content Placeholder 3">
-            <a:extLst>
-              <a:ext uri="{FF2B5EF4-FFF2-40B4-BE49-F238E27FC236}">
-                <a16:creationId xmlns:a16="http://schemas.microsoft.com/office/drawing/2014/main" id="{4B1BF1AC-C624-2AD2-DA0F-335AB7BA2CA8}"/>
-              </a:ext>
-            </a:extLst>
-          </p:cNvPr>
-          <p:cNvSpPr>
-            <a:spLocks noGrp="1"/>
-          </p:cNvSpPr>
-          <p:nvPr>
-            <p:ph sz="quarter" idx="17"/>
-          </p:nvPr>
-        </p:nvSpPr>
-        <p:spPr>
-          <a:xfrm>
-            <a:off x="1535371" y="2545080"/>
-            <a:ext cx="3522849" cy="3718557"/>
-          </a:xfrm>
-        </p:spPr>
-        <p:txBody>
-          <a:bodyPr>
-            <a:normAutofit/>
-          </a:bodyPr>
-          <a:lstStyle/>
-          <a:p>
-            <a:r>
-              <a:rPr lang="en-US" dirty="0"/>
-              <a:t>Team Management</a:t>
-            </a:r>
-          </a:p>
-          <a:p>
-            <a:r>
-              <a:rPr lang="en-US" dirty="0"/>
-              <a:t>User Management</a:t>
-            </a:r>
-          </a:p>
-          <a:p>
-            <a:r>
-              <a:rPr lang="en-US" dirty="0"/>
-              <a:t>Room Management</a:t>
-            </a:r>
-          </a:p>
-          <a:p>
-            <a:endParaRPr lang="en-US" dirty="0"/>
-          </a:p>
-        </p:txBody>
-      </p:sp>
-    </p:spTree>
-    <p:extLst>
-      <p:ext uri="{BB962C8B-B14F-4D97-AF65-F5344CB8AC3E}">
-        <p14:creationId xmlns:p14="http://schemas.microsoft.com/office/powerpoint/2010/main" val="2225637236"/>
-      </p:ext>
-    </p:extLst>
-  </p:cSld>
-  <p:clrMapOvr>
-    <a:masterClrMapping/>
-  </p:clrMapOvr>
-</p:sld>
-</file>
-
-<file path=ppt/slides/slide4.xml><?xml version="1.0" encoding="utf-8"?>
-<p:sld xmlns:a="http://schemas.openxmlformats.org/drawingml/2006/main" xmlns:r="http://schemas.openxmlformats.org/officeDocument/2006/relationships" xmlns:p="http://schemas.openxmlformats.org/presentationml/2006/main">
-  <p:cSld>
-    <p:bg>
-      <p:bgPr>
-        <a:solidFill>
-          <a:schemeClr val="bg2"/>
-        </a:solidFill>
-        <a:effectLst/>
-      </p:bgPr>
-    </p:bg>
-    <p:spTree>
-      <p:nvGrpSpPr>
-        <p:cNvPr id="1" name=""/>
-        <p:cNvGrpSpPr/>
-        <p:nvPr/>
-      </p:nvGrpSpPr>
-      <p:grpSpPr>
-        <a:xfrm>
-          <a:off x="0" y="0"/>
-          <a:ext cx="0" cy="0"/>
-          <a:chOff x="0" y="0"/>
-          <a:chExt cx="0" cy="0"/>
-        </a:xfrm>
-      </p:grpSpPr>
-      <p:sp>
-        <p:nvSpPr>
-          <p:cNvPr id="7" name="Title 6">
-            <a:extLst>
-              <a:ext uri="{FF2B5EF4-FFF2-40B4-BE49-F238E27FC236}">
-                <a16:creationId xmlns:a16="http://schemas.microsoft.com/office/drawing/2014/main" id="{0814B6A3-5F3E-4909-8ED5-87FE82492264}"/>
-              </a:ext>
-            </a:extLst>
-          </p:cNvPr>
-          <p:cNvSpPr>
-            <a:spLocks noGrp="1"/>
-          </p:cNvSpPr>
-          <p:nvPr>
-            <p:ph type="ctrTitle"/>
-          </p:nvPr>
-        </p:nvSpPr>
-        <p:spPr/>
-        <p:txBody>
-          <a:bodyPr vert="horz" lIns="109728" tIns="109728" rIns="109728" bIns="91440" rtlCol="0" anchor="b">
-            <a:normAutofit/>
-          </a:bodyPr>
-          <a:lstStyle/>
-          <a:p>
-            <a:r>
-              <a:rPr lang="en-US" dirty="0"/>
-              <a:t>System Demo</a:t>
-            </a:r>
-          </a:p>
-        </p:txBody>
-      </p:sp>
-      <p:sp>
-        <p:nvSpPr>
-          <p:cNvPr id="6" name="Text Placeholder 5">
-            <a:extLst>
-              <a:ext uri="{FF2B5EF4-FFF2-40B4-BE49-F238E27FC236}">
-                <a16:creationId xmlns:a16="http://schemas.microsoft.com/office/drawing/2014/main" id="{7C94F61A-46C1-B831-7EC4-687DF1C757C5}"/>
-              </a:ext>
-            </a:extLst>
-          </p:cNvPr>
-          <p:cNvSpPr>
-            <a:spLocks noGrp="1"/>
-          </p:cNvSpPr>
-          <p:nvPr>
-            <p:ph type="body" sz="quarter" idx="10"/>
-          </p:nvPr>
-        </p:nvSpPr>
-        <p:spPr/>
-        <p:txBody>
-          <a:bodyPr/>
-          <a:lstStyle/>
-          <a:p>
-            <a:r>
-              <a:rPr lang="en-US" dirty="0"/>
-              <a:t>Office reservation system</a:t>
-            </a:r>
-          </a:p>
-        </p:txBody>
-      </p:sp>
-    </p:spTree>
-    <p:extLst>
-      <p:ext uri="{BB962C8B-B14F-4D97-AF65-F5344CB8AC3E}">
-        <p14:creationId xmlns:p14="http://schemas.microsoft.com/office/powerpoint/2010/main" val="3111549375"/>
-      </p:ext>
-    </p:extLst>
-  </p:cSld>
-  <p:clrMapOvr>
-    <a:masterClrMapping/>
-  </p:clrMapOvr>
-</p:sld>
-</file>
-
-<file path=ppt/slides/slide5.xml><?xml version="1.0" encoding="utf-8"?>
-<p:sld xmlns:a="http://schemas.openxmlformats.org/drawingml/2006/main" xmlns:r="http://schemas.openxmlformats.org/officeDocument/2006/relationships" xmlns:p="http://schemas.openxmlformats.org/presentationml/2006/main">
-  <p:cSld>
-    <p:spTree>
-      <p:nvGrpSpPr>
-        <p:cNvPr id="1" name=""/>
-        <p:cNvGrpSpPr/>
-        <p:nvPr/>
-      </p:nvGrpSpPr>
-      <p:grpSpPr>
-        <a:xfrm>
-          <a:off x="0" y="0"/>
-          <a:ext cx="0" cy="0"/>
-          <a:chOff x="0" y="0"/>
-          <a:chExt cx="0" cy="0"/>
-        </a:xfrm>
-      </p:grpSpPr>
-      <p:sp>
-        <p:nvSpPr>
-          <p:cNvPr id="2" name="Title 1">
-            <a:extLst>
-              <a:ext uri="{FF2B5EF4-FFF2-40B4-BE49-F238E27FC236}">
-                <a16:creationId xmlns:a16="http://schemas.microsoft.com/office/drawing/2014/main" id="{E2D30E0F-10C6-298A-C347-E831FFF4ECB8}"/>
-              </a:ext>
-            </a:extLst>
-          </p:cNvPr>
-          <p:cNvSpPr>
-            <a:spLocks noGrp="1"/>
-          </p:cNvSpPr>
-          <p:nvPr>
-            <p:ph type="title"/>
-          </p:nvPr>
-        </p:nvSpPr>
-        <p:spPr/>
-        <p:txBody>
-          <a:bodyPr/>
-          <a:lstStyle/>
-          <a:p>
-            <a:r>
-              <a:rPr lang="en-US" dirty="0"/>
               <a:t>Future Implementation</a:t>
             </a:r>
           </a:p>
@@ -9729,47 +7842,7 @@
             </a:pPr>
             <a:r>
               <a:rPr lang="en-US" dirty="0"/>
-              <a:t>Reservations</a:t>
-            </a:r>
-          </a:p>
-          <a:p>
-            <a:pPr marL="285750" indent="-285750">
-              <a:buFont typeface="Wingdings" panose="05000000000000000000" pitchFamily="2" charset="2"/>
-              <a:buChar char="§"/>
-            </a:pPr>
-            <a:r>
-              <a:rPr lang="en-US" dirty="0"/>
-              <a:t>Available Timeslot</a:t>
-            </a:r>
-          </a:p>
-          <a:p>
-            <a:pPr marL="285750" indent="-285750">
-              <a:buFont typeface="Wingdings" panose="05000000000000000000" pitchFamily="2" charset="2"/>
-              <a:buChar char="§"/>
-            </a:pPr>
-            <a:r>
-              <a:rPr lang="en-US" dirty="0"/>
-              <a:t>Recurring reservations</a:t>
-            </a:r>
-          </a:p>
-          <a:p>
-            <a:pPr marL="285750" indent="-285750">
-              <a:buFont typeface="Wingdings" panose="05000000000000000000" pitchFamily="2" charset="2"/>
-              <a:buChar char="§"/>
-            </a:pPr>
-            <a:r>
-              <a:rPr lang="en-US" dirty="0"/>
-              <a:t>Waiting List</a:t>
-            </a:r>
-          </a:p>
-          <a:p>
-            <a:pPr marL="285750" indent="-285750">
-              <a:buFont typeface="Wingdings" panose="05000000000000000000" pitchFamily="2" charset="2"/>
-              <a:buChar char="§"/>
-            </a:pPr>
-            <a:r>
-              <a:rPr lang="en-US" dirty="0"/>
-              <a:t>Notification System</a:t>
+              <a:t>Set Leave Days</a:t>
             </a:r>
           </a:p>
         </p:txBody>
@@ -9787,7 +7860,7 @@
 </p:sld>
 </file>
 
-<file path=ppt/slides/slide6.xml><?xml version="1.0" encoding="utf-8"?>
+<file path=ppt/slides/slide4.xml><?xml version="1.0" encoding="utf-8"?>
 <p:sld xmlns:a="http://schemas.openxmlformats.org/drawingml/2006/main" xmlns:r="http://schemas.openxmlformats.org/officeDocument/2006/relationships" xmlns:p="http://schemas.openxmlformats.org/presentationml/2006/main">
   <p:cSld>
     <p:spTree>
@@ -10689,15 +8762,6 @@
 </file>
 
 <file path=customXml/item1.xml><?xml version="1.0" encoding="utf-8"?>
-<?mso-contentType ?>
-<FormTemplates xmlns="http://schemas.microsoft.com/sharepoint/v3/contenttype/forms">
-  <Display>DocumentLibraryForm</Display>
-  <Edit>DocumentLibraryForm</Edit>
-  <New>DocumentLibraryForm</New>
-</FormTemplates>
-</file>
-
-<file path=customXml/item2.xml><?xml version="1.0" encoding="utf-8"?>
 <p:properties xmlns:p="http://schemas.microsoft.com/office/2006/metadata/properties" xmlns:xsi="http://www.w3.org/2001/XMLSchema-instance" xmlns:pc="http://schemas.microsoft.com/office/infopath/2007/PartnerControls">
   <documentManagement>
     <_ip_UnifiedCompliancePolicyUIAction xmlns="http://schemas.microsoft.com/sharepoint/v3" xsi:nil="true"/>
@@ -10715,6 +8779,15 @@
     <MediaServiceKeyPoints xmlns="71af3243-3dd4-4a8d-8c0d-dd76da1f02a5" xsi:nil="true"/>
   </documentManagement>
 </p:properties>
+</file>
+
+<file path=customXml/item2.xml><?xml version="1.0" encoding="utf-8"?>
+<?mso-contentType ?>
+<FormTemplates xmlns="http://schemas.microsoft.com/sharepoint/v3/contenttype/forms">
+  <Display>DocumentLibraryForm</Display>
+  <Edit>DocumentLibraryForm</Edit>
+  <New>DocumentLibraryForm</New>
+</FormTemplates>
 </file>
 
 <file path=customXml/item3.xml><?xml version="1.0" encoding="utf-8"?>
@@ -11030,14 +9103,6 @@
 </file>
 
 <file path=customXml/itemProps1.xml><?xml version="1.0" encoding="utf-8"?>
-<ds:datastoreItem xmlns:ds="http://schemas.openxmlformats.org/officeDocument/2006/customXml" ds:itemID="{6F36CB81-A037-44A8-88EB-C0C0F17FD4B1}">
-  <ds:schemaRefs>
-    <ds:schemaRef ds:uri="http://schemas.microsoft.com/sharepoint/v3/contenttype/forms"/>
-  </ds:schemaRefs>
-</ds:datastoreItem>
-</file>
-
-<file path=customXml/itemProps2.xml><?xml version="1.0" encoding="utf-8"?>
 <ds:datastoreItem xmlns:ds="http://schemas.openxmlformats.org/officeDocument/2006/customXml" ds:itemID="{57FF477C-132F-44F8-8C56-EBFF95FAF97B}">
   <ds:schemaRefs>
     <ds:schemaRef ds:uri="http://schemas.microsoft.com/office/2006/metadata/properties"/>
@@ -11045,6 +9110,14 @@
     <ds:schemaRef ds:uri="http://schemas.microsoft.com/sharepoint/v3"/>
     <ds:schemaRef ds:uri="71af3243-3dd4-4a8d-8c0d-dd76da1f02a5"/>
     <ds:schemaRef ds:uri="230e9df3-be65-4c73-a93b-d1236ebd677e"/>
+  </ds:schemaRefs>
+</ds:datastoreItem>
+</file>
+
+<file path=customXml/itemProps2.xml><?xml version="1.0" encoding="utf-8"?>
+<ds:datastoreItem xmlns:ds="http://schemas.openxmlformats.org/officeDocument/2006/customXml" ds:itemID="{6F36CB81-A037-44A8-88EB-C0C0F17FD4B1}">
+  <ds:schemaRefs>
+    <ds:schemaRef ds:uri="http://schemas.microsoft.com/sharepoint/v3/contenttype/forms"/>
   </ds:schemaRefs>
 </ds:datastoreItem>
 </file>
